--- a/presentation/APM_404Not_Found.pptx
+++ b/presentation/APM_404Not_Found.pptx
@@ -5,15 +5,15 @@
     <p:sldMasterId id="2147483648" r:id="rId1"/>
   </p:sldMasterIdLst>
   <p:sldIdLst>
-    <p:sldId id="256" r:id="rId3"/>
-    <p:sldId id="257" r:id="rId4"/>
-    <p:sldId id="258" r:id="rId5"/>
-    <p:sldId id="266" r:id="rId6"/>
-    <p:sldId id="260" r:id="rId7"/>
-    <p:sldId id="263" r:id="rId8"/>
-    <p:sldId id="264" r:id="rId9"/>
-    <p:sldId id="267" r:id="rId10"/>
-    <p:sldId id="265" r:id="rId11"/>
+    <p:sldId id="256" r:id="rId2"/>
+    <p:sldId id="257" r:id="rId3"/>
+    <p:sldId id="258" r:id="rId4"/>
+    <p:sldId id="266" r:id="rId5"/>
+    <p:sldId id="260" r:id="rId6"/>
+    <p:sldId id="263" r:id="rId7"/>
+    <p:sldId id="264" r:id="rId8"/>
+    <p:sldId id="267" r:id="rId9"/>
+    <p:sldId id="265" r:id="rId10"/>
   </p:sldIdLst>
   <p:sldSz cx="12192000" cy="6858000"/>
   <p:notesSz cx="6858000" cy="9144000"/>
@@ -112,6 +112,11 @@
       </a:defRPr>
     </a:lvl9pPr>
   </p:defaultTextStyle>
+  <p:extLst>
+    <p:ext uri="{EFAFB233-063F-42B5-8137-9DF3F51BA10A}">
+      <p15:sldGuideLst xmlns:p15="http://schemas.microsoft.com/office/powerpoint/2012/main"/>
+    </p:ext>
+  </p:extLst>
 </p:presentation>
 </file>
 
@@ -389,6 +394,7 @@
           <a:p>
             <a:fld id="{65972A17-F147-4034-929F-A1E2732121DD}" type="datetimeFigureOut">
               <a:rPr lang="bg-BG" smtClean="0"/>
+              <a:t>11.03.2023 г.</a:t>
             </a:fld>
             <a:endParaRPr lang="bg-BG"/>
           </a:p>
@@ -430,6 +436,7 @@
           <a:p>
             <a:fld id="{99D82AC5-1ECA-4D11-AE8B-0DFB1B81EC7C}" type="slidenum">
               <a:rPr lang="bg-BG" smtClean="0"/>
+              <a:t>‹#›</a:t>
             </a:fld>
             <a:endParaRPr lang="bg-BG"/>
           </a:p>
@@ -677,7 +684,6 @@
               <a:rPr lang="en-US"/>
               <a:t>Click to edit Master text styles</a:t>
             </a:r>
-            <a:endParaRPr lang="en-US"/>
           </a:p>
         </p:txBody>
       </p:sp>
@@ -698,6 +704,7 @@
           <a:p>
             <a:fld id="{65972A17-F147-4034-929F-A1E2732121DD}" type="datetimeFigureOut">
               <a:rPr lang="bg-BG" smtClean="0"/>
+              <a:t>11.03.2023 г.</a:t>
             </a:fld>
             <a:endParaRPr lang="bg-BG"/>
           </a:p>
@@ -739,6 +746,7 @@
           <a:p>
             <a:fld id="{99D82AC5-1ECA-4D11-AE8B-0DFB1B81EC7C}" type="slidenum">
               <a:rPr lang="bg-BG" smtClean="0"/>
+              <a:t>‹#›</a:t>
             </a:fld>
             <a:endParaRPr lang="bg-BG"/>
           </a:p>
@@ -1125,7 +1133,6 @@
               <a:rPr lang="en-US"/>
               <a:t>Click to edit Master text styles</a:t>
             </a:r>
-            <a:endParaRPr lang="en-US"/>
           </a:p>
         </p:txBody>
       </p:sp>
@@ -1160,7 +1167,6 @@
               <a:rPr lang="en-US"/>
               <a:t>Click to edit Master text styles</a:t>
             </a:r>
-            <a:endParaRPr lang="en-US"/>
           </a:p>
         </p:txBody>
       </p:sp>
@@ -1181,6 +1187,7 @@
           <a:p>
             <a:fld id="{65972A17-F147-4034-929F-A1E2732121DD}" type="datetimeFigureOut">
               <a:rPr lang="bg-BG" smtClean="0"/>
+              <a:t>11.03.2023 г.</a:t>
             </a:fld>
             <a:endParaRPr lang="bg-BG"/>
           </a:p>
@@ -1222,6 +1229,7 @@
           <a:p>
             <a:fld id="{99D82AC5-1ECA-4D11-AE8B-0DFB1B81EC7C}" type="slidenum">
               <a:rPr lang="bg-BG" smtClean="0"/>
+              <a:t>‹#›</a:t>
             </a:fld>
             <a:endParaRPr lang="bg-BG"/>
           </a:p>
@@ -1523,7 +1531,6 @@
               <a:rPr lang="en-US"/>
               <a:t>Click to edit Master text styles</a:t>
             </a:r>
-            <a:endParaRPr lang="en-US"/>
           </a:p>
         </p:txBody>
       </p:sp>
@@ -1544,6 +1551,7 @@
           <a:p>
             <a:fld id="{65972A17-F147-4034-929F-A1E2732121DD}" type="datetimeFigureOut">
               <a:rPr lang="bg-BG" smtClean="0"/>
+              <a:t>11.03.2023 г.</a:t>
             </a:fld>
             <a:endParaRPr lang="bg-BG"/>
           </a:p>
@@ -1585,6 +1593,7 @@
           <a:p>
             <a:fld id="{99D82AC5-1ECA-4D11-AE8B-0DFB1B81EC7C}" type="slidenum">
               <a:rPr lang="bg-BG" smtClean="0"/>
+              <a:t>‹#›</a:t>
             </a:fld>
             <a:endParaRPr lang="bg-BG"/>
           </a:p>
@@ -1748,7 +1757,6 @@
               <a:rPr lang="en-US"/>
               <a:t>Click to edit Master text styles</a:t>
             </a:r>
-            <a:endParaRPr lang="en-US"/>
           </a:p>
           <a:p>
             <a:pPr lvl="1"/>
@@ -1756,7 +1764,6 @@
               <a:rPr lang="en-US"/>
               <a:t>Second level</a:t>
             </a:r>
-            <a:endParaRPr lang="en-US"/>
           </a:p>
           <a:p>
             <a:pPr lvl="2"/>
@@ -1764,7 +1771,6 @@
               <a:rPr lang="en-US"/>
               <a:t>Third level</a:t>
             </a:r>
-            <a:endParaRPr lang="en-US"/>
           </a:p>
           <a:p>
             <a:pPr lvl="3"/>
@@ -1772,7 +1778,6 @@
               <a:rPr lang="en-US"/>
               <a:t>Fourth level</a:t>
             </a:r>
-            <a:endParaRPr lang="en-US"/>
           </a:p>
           <a:p>
             <a:pPr lvl="4"/>
@@ -1801,6 +1806,7 @@
           <a:p>
             <a:fld id="{65972A17-F147-4034-929F-A1E2732121DD}" type="datetimeFigureOut">
               <a:rPr lang="bg-BG" smtClean="0"/>
+              <a:t>11.03.2023 г.</a:t>
             </a:fld>
             <a:endParaRPr lang="bg-BG"/>
           </a:p>
@@ -1842,6 +1848,7 @@
           <a:p>
             <a:fld id="{99D82AC5-1ECA-4D11-AE8B-0DFB1B81EC7C}" type="slidenum">
               <a:rPr lang="bg-BG" smtClean="0"/>
+              <a:t>‹#›</a:t>
             </a:fld>
             <a:endParaRPr lang="bg-BG"/>
           </a:p>
@@ -2017,7 +2024,6 @@
               <a:rPr lang="en-US"/>
               <a:t>Click to edit Master text styles</a:t>
             </a:r>
-            <a:endParaRPr lang="en-US"/>
           </a:p>
           <a:p>
             <a:pPr lvl="1"/>
@@ -2025,7 +2031,6 @@
               <a:rPr lang="en-US"/>
               <a:t>Second level</a:t>
             </a:r>
-            <a:endParaRPr lang="en-US"/>
           </a:p>
           <a:p>
             <a:pPr lvl="2"/>
@@ -2033,7 +2038,6 @@
               <a:rPr lang="en-US"/>
               <a:t>Third level</a:t>
             </a:r>
-            <a:endParaRPr lang="en-US"/>
           </a:p>
           <a:p>
             <a:pPr lvl="3"/>
@@ -2041,7 +2045,6 @@
               <a:rPr lang="en-US"/>
               <a:t>Fourth level</a:t>
             </a:r>
-            <a:endParaRPr lang="en-US"/>
           </a:p>
           <a:p>
             <a:pPr lvl="4"/>
@@ -2070,6 +2073,7 @@
           <a:p>
             <a:fld id="{65972A17-F147-4034-929F-A1E2732121DD}" type="datetimeFigureOut">
               <a:rPr lang="bg-BG" smtClean="0"/>
+              <a:t>11.03.2023 г.</a:t>
             </a:fld>
             <a:endParaRPr lang="bg-BG"/>
           </a:p>
@@ -2111,6 +2115,7 @@
           <a:p>
             <a:fld id="{99D82AC5-1ECA-4D11-AE8B-0DFB1B81EC7C}" type="slidenum">
               <a:rPr lang="bg-BG" smtClean="0"/>
+              <a:t>‹#›</a:t>
             </a:fld>
             <a:endParaRPr lang="bg-BG"/>
           </a:p>
@@ -2284,7 +2289,6 @@
               <a:rPr lang="en-US"/>
               <a:t>Click to edit Master text styles</a:t>
             </a:r>
-            <a:endParaRPr lang="en-US"/>
           </a:p>
           <a:p>
             <a:pPr lvl="1"/>
@@ -2292,7 +2296,6 @@
               <a:rPr lang="en-US"/>
               <a:t>Second level</a:t>
             </a:r>
-            <a:endParaRPr lang="en-US"/>
           </a:p>
           <a:p>
             <a:pPr lvl="2"/>
@@ -2300,7 +2303,6 @@
               <a:rPr lang="en-US"/>
               <a:t>Third level</a:t>
             </a:r>
-            <a:endParaRPr lang="en-US"/>
           </a:p>
           <a:p>
             <a:pPr lvl="3"/>
@@ -2308,7 +2310,6 @@
               <a:rPr lang="en-US"/>
               <a:t>Fourth level</a:t>
             </a:r>
-            <a:endParaRPr lang="en-US"/>
           </a:p>
           <a:p>
             <a:pPr lvl="4"/>
@@ -2337,6 +2338,7 @@
           <a:p>
             <a:fld id="{65972A17-F147-4034-929F-A1E2732121DD}" type="datetimeFigureOut">
               <a:rPr lang="bg-BG" smtClean="0"/>
+              <a:t>11.03.2023 г.</a:t>
             </a:fld>
             <a:endParaRPr lang="bg-BG"/>
           </a:p>
@@ -2378,6 +2380,7 @@
           <a:p>
             <a:fld id="{99D82AC5-1ECA-4D11-AE8B-0DFB1B81EC7C}" type="slidenum">
               <a:rPr lang="bg-BG" smtClean="0"/>
+              <a:t>‹#›</a:t>
             </a:fld>
             <a:endParaRPr lang="bg-BG"/>
           </a:p>
@@ -2649,7 +2652,6 @@
               <a:rPr lang="en-US"/>
               <a:t>Click to edit Master text styles</a:t>
             </a:r>
-            <a:endParaRPr lang="en-US"/>
           </a:p>
         </p:txBody>
       </p:sp>
@@ -2670,6 +2672,7 @@
           <a:p>
             <a:fld id="{65972A17-F147-4034-929F-A1E2732121DD}" type="datetimeFigureOut">
               <a:rPr lang="bg-BG" smtClean="0"/>
+              <a:t>11.03.2023 г.</a:t>
             </a:fld>
             <a:endParaRPr lang="bg-BG"/>
           </a:p>
@@ -2711,6 +2714,7 @@
           <a:p>
             <a:fld id="{99D82AC5-1ECA-4D11-AE8B-0DFB1B81EC7C}" type="slidenum">
               <a:rPr lang="bg-BG" smtClean="0"/>
+              <a:t>‹#›</a:t>
             </a:fld>
             <a:endParaRPr lang="bg-BG"/>
           </a:p>
@@ -2881,7 +2885,6 @@
               <a:rPr lang="en-US"/>
               <a:t>Click to edit Master text styles</a:t>
             </a:r>
-            <a:endParaRPr lang="en-US"/>
           </a:p>
           <a:p>
             <a:pPr lvl="1"/>
@@ -2889,7 +2892,6 @@
               <a:rPr lang="en-US"/>
               <a:t>Second level</a:t>
             </a:r>
-            <a:endParaRPr lang="en-US"/>
           </a:p>
           <a:p>
             <a:pPr lvl="2"/>
@@ -2897,7 +2899,6 @@
               <a:rPr lang="en-US"/>
               <a:t>Third level</a:t>
             </a:r>
-            <a:endParaRPr lang="en-US"/>
           </a:p>
           <a:p>
             <a:pPr lvl="3"/>
@@ -2905,7 +2906,6 @@
               <a:rPr lang="en-US"/>
               <a:t>Fourth level</a:t>
             </a:r>
-            <a:endParaRPr lang="en-US"/>
           </a:p>
           <a:p>
             <a:pPr lvl="4"/>
@@ -2944,7 +2944,6 @@
               <a:rPr lang="en-US"/>
               <a:t>Click to edit Master text styles</a:t>
             </a:r>
-            <a:endParaRPr lang="en-US"/>
           </a:p>
           <a:p>
             <a:pPr lvl="1"/>
@@ -2952,7 +2951,6 @@
               <a:rPr lang="en-US"/>
               <a:t>Second level</a:t>
             </a:r>
-            <a:endParaRPr lang="en-US"/>
           </a:p>
           <a:p>
             <a:pPr lvl="2"/>
@@ -2960,7 +2958,6 @@
               <a:rPr lang="en-US"/>
               <a:t>Third level</a:t>
             </a:r>
-            <a:endParaRPr lang="en-US"/>
           </a:p>
           <a:p>
             <a:pPr lvl="3"/>
@@ -2968,7 +2965,6 @@
               <a:rPr lang="en-US"/>
               <a:t>Fourth level</a:t>
             </a:r>
-            <a:endParaRPr lang="en-US"/>
           </a:p>
           <a:p>
             <a:pPr lvl="4"/>
@@ -2997,6 +2993,7 @@
           <a:p>
             <a:fld id="{65972A17-F147-4034-929F-A1E2732121DD}" type="datetimeFigureOut">
               <a:rPr lang="bg-BG" smtClean="0"/>
+              <a:t>11.03.2023 г.</a:t>
             </a:fld>
             <a:endParaRPr lang="bg-BG"/>
           </a:p>
@@ -3038,6 +3035,7 @@
           <a:p>
             <a:fld id="{99D82AC5-1ECA-4D11-AE8B-0DFB1B81EC7C}" type="slidenum">
               <a:rPr lang="bg-BG" smtClean="0"/>
+              <a:t>‹#›</a:t>
             </a:fld>
             <a:endParaRPr lang="bg-BG"/>
           </a:p>
@@ -3249,7 +3247,6 @@
               <a:rPr lang="en-US"/>
               <a:t>Click to edit Master text styles</a:t>
             </a:r>
-            <a:endParaRPr lang="en-US"/>
           </a:p>
         </p:txBody>
       </p:sp>
@@ -3280,7 +3277,6 @@
               <a:rPr lang="en-US"/>
               <a:t>Click to edit Master text styles</a:t>
             </a:r>
-            <a:endParaRPr lang="en-US"/>
           </a:p>
           <a:p>
             <a:pPr lvl="1"/>
@@ -3288,7 +3284,6 @@
               <a:rPr lang="en-US"/>
               <a:t>Second level</a:t>
             </a:r>
-            <a:endParaRPr lang="en-US"/>
           </a:p>
           <a:p>
             <a:pPr lvl="2"/>
@@ -3296,7 +3291,6 @@
               <a:rPr lang="en-US"/>
               <a:t>Third level</a:t>
             </a:r>
-            <a:endParaRPr lang="en-US"/>
           </a:p>
           <a:p>
             <a:pPr lvl="3"/>
@@ -3304,7 +3298,6 @@
               <a:rPr lang="en-US"/>
               <a:t>Fourth level</a:t>
             </a:r>
-            <a:endParaRPr lang="en-US"/>
           </a:p>
           <a:p>
             <a:pPr lvl="4"/>
@@ -3380,7 +3373,6 @@
               <a:rPr lang="en-US"/>
               <a:t>Click to edit Master text styles</a:t>
             </a:r>
-            <a:endParaRPr lang="en-US"/>
           </a:p>
         </p:txBody>
       </p:sp>
@@ -3411,7 +3403,6 @@
               <a:rPr lang="en-US"/>
               <a:t>Click to edit Master text styles</a:t>
             </a:r>
-            <a:endParaRPr lang="en-US"/>
           </a:p>
           <a:p>
             <a:pPr lvl="1"/>
@@ -3419,7 +3410,6 @@
               <a:rPr lang="en-US"/>
               <a:t>Second level</a:t>
             </a:r>
-            <a:endParaRPr lang="en-US"/>
           </a:p>
           <a:p>
             <a:pPr lvl="2"/>
@@ -3427,7 +3417,6 @@
               <a:rPr lang="en-US"/>
               <a:t>Third level</a:t>
             </a:r>
-            <a:endParaRPr lang="en-US"/>
           </a:p>
           <a:p>
             <a:pPr lvl="3"/>
@@ -3435,7 +3424,6 @@
               <a:rPr lang="en-US"/>
               <a:t>Fourth level</a:t>
             </a:r>
-            <a:endParaRPr lang="en-US"/>
           </a:p>
           <a:p>
             <a:pPr lvl="4"/>
@@ -3464,6 +3452,7 @@
           <a:p>
             <a:fld id="{65972A17-F147-4034-929F-A1E2732121DD}" type="datetimeFigureOut">
               <a:rPr lang="bg-BG" smtClean="0"/>
+              <a:t>11.03.2023 г.</a:t>
             </a:fld>
             <a:endParaRPr lang="bg-BG"/>
           </a:p>
@@ -3505,6 +3494,7 @@
           <a:p>
             <a:fld id="{99D82AC5-1ECA-4D11-AE8B-0DFB1B81EC7C}" type="slidenum">
               <a:rPr lang="bg-BG" smtClean="0"/>
+              <a:t>‹#›</a:t>
             </a:fld>
             <a:endParaRPr lang="bg-BG"/>
           </a:p>
@@ -3665,6 +3655,7 @@
           <a:p>
             <a:fld id="{65972A17-F147-4034-929F-A1E2732121DD}" type="datetimeFigureOut">
               <a:rPr lang="bg-BG" smtClean="0"/>
+              <a:t>11.03.2023 г.</a:t>
             </a:fld>
             <a:endParaRPr lang="bg-BG"/>
           </a:p>
@@ -3706,6 +3697,7 @@
           <a:p>
             <a:fld id="{99D82AC5-1ECA-4D11-AE8B-0DFB1B81EC7C}" type="slidenum">
               <a:rPr lang="bg-BG" smtClean="0"/>
+              <a:t>‹#›</a:t>
             </a:fld>
             <a:endParaRPr lang="bg-BG"/>
           </a:p>
@@ -3753,6 +3745,7 @@
           <a:p>
             <a:fld id="{65972A17-F147-4034-929F-A1E2732121DD}" type="datetimeFigureOut">
               <a:rPr lang="bg-BG" smtClean="0"/>
+              <a:t>11.03.2023 г.</a:t>
             </a:fld>
             <a:endParaRPr lang="bg-BG"/>
           </a:p>
@@ -3794,6 +3787,7 @@
           <a:p>
             <a:fld id="{99D82AC5-1ECA-4D11-AE8B-0DFB1B81EC7C}" type="slidenum">
               <a:rPr lang="bg-BG" smtClean="0"/>
+              <a:t>‹#›</a:t>
             </a:fld>
             <a:endParaRPr lang="bg-BG"/>
           </a:p>
@@ -4086,7 +4080,6 @@
               <a:rPr lang="en-US"/>
               <a:t>Click to edit Master text styles</a:t>
             </a:r>
-            <a:endParaRPr lang="en-US"/>
           </a:p>
           <a:p>
             <a:pPr lvl="1"/>
@@ -4094,7 +4087,6 @@
               <a:rPr lang="en-US"/>
               <a:t>Second level</a:t>
             </a:r>
-            <a:endParaRPr lang="en-US"/>
           </a:p>
           <a:p>
             <a:pPr lvl="2"/>
@@ -4102,7 +4094,6 @@
               <a:rPr lang="en-US"/>
               <a:t>Third level</a:t>
             </a:r>
-            <a:endParaRPr lang="en-US"/>
           </a:p>
           <a:p>
             <a:pPr lvl="3"/>
@@ -4110,7 +4101,6 @@
               <a:rPr lang="en-US"/>
               <a:t>Fourth level</a:t>
             </a:r>
-            <a:endParaRPr lang="en-US"/>
           </a:p>
           <a:p>
             <a:pPr lvl="4"/>
@@ -4184,7 +4174,6 @@
               <a:rPr lang="en-US"/>
               <a:t>Click to edit Master text styles</a:t>
             </a:r>
-            <a:endParaRPr lang="en-US"/>
           </a:p>
         </p:txBody>
       </p:sp>
@@ -4205,6 +4194,7 @@
           <a:p>
             <a:fld id="{65972A17-F147-4034-929F-A1E2732121DD}" type="datetimeFigureOut">
               <a:rPr lang="bg-BG" smtClean="0"/>
+              <a:t>11.03.2023 г.</a:t>
             </a:fld>
             <a:endParaRPr lang="bg-BG"/>
           </a:p>
@@ -4246,6 +4236,7 @@
           <a:p>
             <a:fld id="{99D82AC5-1ECA-4D11-AE8B-0DFB1B81EC7C}" type="slidenum">
               <a:rPr lang="bg-BG" smtClean="0"/>
+              <a:t>‹#›</a:t>
             </a:fld>
             <a:endParaRPr lang="bg-BG"/>
           </a:p>
@@ -4481,7 +4472,6 @@
               <a:rPr lang="en-US"/>
               <a:t>Click to edit Master text styles</a:t>
             </a:r>
-            <a:endParaRPr lang="en-US"/>
           </a:p>
         </p:txBody>
       </p:sp>
@@ -4507,6 +4497,7 @@
           <a:p>
             <a:fld id="{65972A17-F147-4034-929F-A1E2732121DD}" type="datetimeFigureOut">
               <a:rPr lang="bg-BG" smtClean="0"/>
+              <a:t>11.03.2023 г.</a:t>
             </a:fld>
             <a:endParaRPr lang="bg-BG"/>
           </a:p>
@@ -4558,6 +4549,7 @@
           <a:p>
             <a:fld id="{99D82AC5-1ECA-4D11-AE8B-0DFB1B81EC7C}" type="slidenum">
               <a:rPr lang="bg-BG" smtClean="0"/>
+              <a:t>‹#›</a:t>
             </a:fld>
             <a:endParaRPr lang="bg-BG"/>
           </a:p>
@@ -4670,7 +4662,6 @@
               <a:rPr lang="en-US"/>
               <a:t>Click to edit Master text styles</a:t>
             </a:r>
-            <a:endParaRPr lang="en-US"/>
           </a:p>
           <a:p>
             <a:pPr lvl="1"/>
@@ -4678,7 +4669,6 @@
               <a:rPr lang="en-US"/>
               <a:t>Second level</a:t>
             </a:r>
-            <a:endParaRPr lang="en-US"/>
           </a:p>
           <a:p>
             <a:pPr lvl="2"/>
@@ -4686,7 +4676,6 @@
               <a:rPr lang="en-US"/>
               <a:t>Third level</a:t>
             </a:r>
-            <a:endParaRPr lang="en-US"/>
           </a:p>
           <a:p>
             <a:pPr lvl="3"/>
@@ -4694,7 +4683,6 @@
               <a:rPr lang="en-US"/>
               <a:t>Fourth level</a:t>
             </a:r>
-            <a:endParaRPr lang="en-US"/>
           </a:p>
           <a:p>
             <a:pPr lvl="4"/>
@@ -4774,6 +4762,7 @@
           <a:p>
             <a:fld id="{65972A17-F147-4034-929F-A1E2732121DD}" type="datetimeFigureOut">
               <a:rPr lang="bg-BG" smtClean="0"/>
+              <a:t>11.03.2023 г.</a:t>
             </a:fld>
             <a:endParaRPr lang="bg-BG"/>
           </a:p>
@@ -4812,6 +4801,7 @@
           <a:p>
             <a:fld id="{99D82AC5-1ECA-4D11-AE8B-0DFB1B81EC7C}" type="slidenum">
               <a:rPr lang="bg-BG" smtClean="0"/>
+              <a:t>‹#›</a:t>
             </a:fld>
             <a:endParaRPr lang="bg-BG"/>
           </a:p>
@@ -5411,13 +5401,13 @@
           <p:nvPr/>
         </p:nvPicPr>
         <p:blipFill>
-          <a:blip r:embed="rId1">
+          <a:blip r:embed="rId2">
             <a:extLst>
               <a:ext uri="{28A0092B-C50C-407E-A947-70E740481C1C}">
                 <a14:useLocalDpi xmlns:a14="http://schemas.microsoft.com/office/drawing/2010/main" val="0"/>
               </a:ext>
               <a:ext uri="{96DAC541-7B7A-43D3-8B79-37D633B846F1}">
-                <asvg:svgBlip xmlns:asvg="http://schemas.microsoft.com/office/drawing/2016/SVG/main" r:embed="rId2"/>
+                <asvg:svgBlip xmlns:asvg="http://schemas.microsoft.com/office/drawing/2016/SVG/main" xmlns="" r:embed="rId3"/>
               </a:ext>
             </a:extLst>
           </a:blip>
@@ -5460,7 +5450,7 @@
         <p:nvGrpSpPr>
           <p:cNvPr id="22" name="Group 13"/>
           <p:cNvGrpSpPr>
-            <a:grpSpLocks noGrp="1" noRot="1" noChangeAspect="1" noMove="1" noResize="1" noUngrp="1"/>
+            <a:grpSpLocks noGrp="1" noUngrp="1" noRot="1" noChangeAspect="1" noMove="1" noResize="1"/>
           </p:cNvGrpSpPr>
           <p:nvPr/>
         </p:nvGrpSpPr>
@@ -7460,6 +7450,13 @@
   <p:clrMapOvr>
     <a:masterClrMapping/>
   </p:clrMapOvr>
+  <p:timing>
+    <p:tnLst>
+      <p:par>
+        <p:cTn id="1" dur="indefinite" restart="never" nodeType="tmRoot"/>
+      </p:par>
+    </p:tnLst>
+  </p:timing>
 </p:sld>
 </file>
 
@@ -8533,7 +8530,7 @@
           <p:nvPr/>
         </p:nvPicPr>
         <p:blipFill rotWithShape="1">
-          <a:blip r:embed="rId1"/>
+          <a:blip r:embed="rId2"/>
           <a:srcRect t="15331" b="40669"/>
           <a:stretch>
             <a:fillRect/>
@@ -9334,7 +9331,7 @@
         <p:spPr>
           <a:xfrm>
             <a:off x="6297233" y="518400"/>
-            <a:ext cx="4771607" cy="5837949"/>
+            <a:ext cx="5005767" cy="5837949"/>
           </a:xfrm>
         </p:spPr>
         <p:txBody>
@@ -9407,15 +9404,6 @@
               </a:rPr>
               <a:t> може да го направи много лесно от където и да е.</a:t>
             </a:r>
-            <a:endParaRPr lang="bg-BG" altLang="en-US" sz="2000" b="1" dirty="0">
-              <a:solidFill>
-                <a:schemeClr val="tx1">
-                  <a:alpha val="80000"/>
-                </a:schemeClr>
-              </a:solidFill>
-              <a:latin typeface="Courier New" panose="02070309020205020404"/>
-              <a:cs typeface="Arial" panose="020B0604020202020204"/>
-            </a:endParaRPr>
           </a:p>
           <a:p>
             <a:pPr>
@@ -9999,7 +9987,7 @@
           <p:nvPr/>
         </p:nvPicPr>
         <p:blipFill rotWithShape="1">
-          <a:blip r:embed="rId1"/>
+          <a:blip r:embed="rId2"/>
           <a:srcRect t="21171" r="1" b="34829"/>
           <a:stretch>
             <a:fillRect/>
@@ -10054,7 +10042,7 @@
         <p:nvGrpSpPr>
           <p:cNvPr id="40" name="Group 13"/>
           <p:cNvGrpSpPr>
-            <a:grpSpLocks noGrp="1" noRot="1" noChangeAspect="1" noMove="1" noResize="1" noUngrp="1"/>
+            <a:grpSpLocks noGrp="1" noUngrp="1" noRot="1" noChangeAspect="1" noMove="1" noResize="1"/>
           </p:cNvGrpSpPr>
           <p:nvPr/>
         </p:nvGrpSpPr>
@@ -10454,8 +10442,8 @@
         </p:nvSpPr>
         <p:spPr>
           <a:xfrm>
-            <a:off x="6234869" y="1974978"/>
-            <a:ext cx="5250302" cy="2562295"/>
+            <a:off x="6234868" y="1974978"/>
+            <a:ext cx="5804732" cy="2562295"/>
           </a:xfrm>
           <a:effectLst/>
         </p:spPr>
@@ -10595,10 +10583,21 @@
                 <a:ea typeface="+mn-lt"/>
                 <a:cs typeface="+mn-lt"/>
               </a:rPr>
-              <a:t> и </a:t>
-            </a:r>
-            <a:r>
-              <a:rPr lang="en-US" sz="2400" dirty="0" err="1">
+              <a:t> </a:t>
+            </a:r>
+            <a:r>
+              <a:rPr lang="en-US" sz="2400" smtClean="0">
+                <a:solidFill>
+                  <a:schemeClr val="bg2"/>
+                </a:solidFill>
+                <a:latin typeface="Courier New" panose="02070309020205020404"/>
+                <a:ea typeface="+mn-lt"/>
+                <a:cs typeface="+mn-lt"/>
+              </a:rPr>
+              <a:t>и  </a:t>
+            </a:r>
+            <a:r>
+              <a:rPr lang="en-US" sz="2400" dirty="0" err="1" smtClean="0">
                 <a:solidFill>
                   <a:schemeClr val="bg2"/>
                 </a:solidFill>
@@ -10799,7 +10798,7 @@
         <p:nvGrpSpPr>
           <p:cNvPr id="42" name="Graphic 185"/>
           <p:cNvGrpSpPr>
-            <a:grpSpLocks noGrp="1" noRot="1" noChangeAspect="1" noMove="1" noResize="1" noUngrp="1"/>
+            <a:grpSpLocks noGrp="1" noUngrp="1" noRot="1" noChangeAspect="1" noMove="1" noResize="1"/>
           </p:cNvGrpSpPr>
           <p:nvPr/>
         </p:nvGrpSpPr>
@@ -11271,13 +11270,13 @@
   <p:clrMapOvr>
     <a:masterClrMapping/>
   </p:clrMapOvr>
-  <mc:AlternateContent xmlns:mc="http://schemas.openxmlformats.org/markup-compatibility/2006">
-    <mc:Choice xmlns:p14="http://schemas.microsoft.com/office/powerpoint/2010/main" Requires="p14">
+  <mc:AlternateContent xmlns:mc="http://schemas.openxmlformats.org/markup-compatibility/2006" xmlns:p14="http://schemas.microsoft.com/office/powerpoint/2010/main">
+    <mc:Choice Requires="p14">
       <p:transition spd="slow" p14:dur="1500">
         <p14:reveal/>
       </p:transition>
     </mc:Choice>
-    <mc:Fallback>
+    <mc:Fallback xmlns="">
       <p:transition spd="slow">
         <p:fade/>
       </p:transition>
@@ -11622,8 +11621,8 @@
       </p:par>
     </p:tnLst>
     <p:bldLst>
-      <p:bldP spid="3" grpId="0" animBg="1" build="p"/>
-      <p:bldP spid="3" grpId="1" animBg="1" build="p"/>
+      <p:bldP spid="3" grpId="0" build="p" animBg="1"/>
+      <p:bldP spid="3" grpId="1" build="p" animBg="1"/>
       <p:bldP spid="4" grpId="0"/>
       <p:bldP spid="4" grpId="1"/>
     </p:bldLst>
@@ -12043,13 +12042,6 @@
               </a:rPr>
               <a:t>.</a:t>
             </a:r>
-            <a:endParaRPr lang="en-US" b="1" dirty="0">
-              <a:solidFill>
-                <a:schemeClr val="accent2"/>
-              </a:solidFill>
-              <a:latin typeface="Courier New" panose="02070309020205020404"/>
-              <a:cs typeface="Arial" panose="020B0604020202020204"/>
-            </a:endParaRPr>
           </a:p>
           <a:p>
             <a:pPr marL="0" indent="0">
@@ -12265,13 +12257,6 @@
               </a:rPr>
               <a:t>.</a:t>
             </a:r>
-            <a:endParaRPr lang="en-US" b="1" dirty="0">
-              <a:solidFill>
-                <a:schemeClr val="accent2"/>
-              </a:solidFill>
-              <a:latin typeface="Courier New" panose="02070309020205020404"/>
-              <a:cs typeface="Arial" panose="020B0604020202020204"/>
-            </a:endParaRPr>
           </a:p>
           <a:p>
             <a:pPr marL="0" indent="0">
@@ -12728,7 +12713,6 @@
               <a:rPr lang="en-US" dirty="0"/>
               <a:t>08.03</a:t>
             </a:r>
-            <a:endParaRPr lang="en-US" dirty="0"/>
           </a:p>
         </p:txBody>
       </p:sp>
@@ -12759,7 +12743,6 @@
               <a:rPr lang="en-US" dirty="0"/>
               <a:t>09.03</a:t>
             </a:r>
-            <a:endParaRPr lang="en-US" dirty="0"/>
           </a:p>
         </p:txBody>
       </p:sp>
@@ -12790,7 +12773,6 @@
               <a:rPr lang="en-US" dirty="0"/>
               <a:t>10.03</a:t>
             </a:r>
-            <a:endParaRPr lang="en-US" dirty="0"/>
           </a:p>
         </p:txBody>
       </p:sp>
@@ -12821,7 +12803,6 @@
               <a:rPr lang="en-US" dirty="0"/>
               <a:t>11.03</a:t>
             </a:r>
-            <a:endParaRPr lang="en-US" dirty="0"/>
           </a:p>
         </p:txBody>
       </p:sp>
@@ -13079,8 +13060,8 @@
       </p:par>
     </p:tnLst>
     <p:bldLst>
-      <p:bldP spid="3" grpId="0" animBg="1" build="p"/>
-      <p:bldP spid="3" grpId="1" animBg="1" build="p"/>
+      <p:bldP spid="3" grpId="0" build="p" animBg="1"/>
+      <p:bldP spid="3" grpId="1" build="p" animBg="1"/>
     </p:bldLst>
   </p:timing>
 </p:sld>
@@ -13308,13 +13289,6 @@
               </a:rPr>
               <a:t>Live demo</a:t>
             </a:r>
-            <a:endParaRPr lang="en-US" dirty="0">
-              <a:solidFill>
-                <a:schemeClr val="bg2"/>
-              </a:solidFill>
-              <a:latin typeface="Courier New" panose="02070309020205020404"/>
-              <a:cs typeface="Arial" panose="020B0604020202020204"/>
-            </a:endParaRPr>
           </a:p>
         </p:txBody>
       </p:sp>
@@ -13395,18 +13369,25 @@
   <p:clrMapOvr>
     <a:masterClrMapping/>
   </p:clrMapOvr>
-  <mc:AlternateContent xmlns:mc="http://schemas.openxmlformats.org/markup-compatibility/2006">
-    <mc:Choice xmlns:p14="http://schemas.microsoft.com/office/powerpoint/2010/main" Requires="p14">
+  <mc:AlternateContent xmlns:mc="http://schemas.openxmlformats.org/markup-compatibility/2006" xmlns:p14="http://schemas.microsoft.com/office/powerpoint/2010/main">
+    <mc:Choice Requires="p14">
       <p:transition spd="slow" p14:dur="1200">
         <p:dissolve/>
       </p:transition>
     </mc:Choice>
-    <mc:Fallback>
+    <mc:Fallback xmlns="">
       <p:transition spd="slow">
         <p:dissolve/>
       </p:transition>
     </mc:Fallback>
   </mc:AlternateContent>
+  <p:timing>
+    <p:tnLst>
+      <p:par>
+        <p:cTn id="1" dur="indefinite" restart="never" nodeType="tmRoot"/>
+      </p:par>
+    </p:tnLst>
+  </p:timing>
 </p:sld>
 </file>
 
@@ -14306,10 +14287,6 @@
               </a:rPr>
               <a:t>?</a:t>
             </a:r>
-            <a:endParaRPr lang="en-US" sz="2200" dirty="0">
-              <a:latin typeface="Courier New" panose="02070309020205020404"/>
-              <a:cs typeface="Arial" panose="020B0604020202020204"/>
-            </a:endParaRPr>
           </a:p>
           <a:p>
             <a:pPr marL="0" indent="0">
@@ -14357,10 +14334,6 @@
               </a:rPr>
               <a:t>?</a:t>
             </a:r>
-            <a:endParaRPr lang="en-US" sz="2200" dirty="0">
-              <a:latin typeface="Courier New" panose="02070309020205020404"/>
-              <a:cs typeface="Arial" panose="020B0604020202020204"/>
-            </a:endParaRPr>
           </a:p>
         </p:txBody>
       </p:sp>
@@ -14369,13 +14342,13 @@
   <p:clrMapOvr>
     <a:masterClrMapping/>
   </p:clrMapOvr>
-  <mc:AlternateContent xmlns:mc="http://schemas.openxmlformats.org/markup-compatibility/2006">
-    <mc:Choice xmlns:p14="http://schemas.microsoft.com/office/powerpoint/2010/main" Requires="p14">
+  <mc:AlternateContent xmlns:mc="http://schemas.openxmlformats.org/markup-compatibility/2006" xmlns:p14="http://schemas.microsoft.com/office/powerpoint/2010/main">
+    <mc:Choice Requires="p14">
       <p:transition spd="slow" p14:dur="1500">
         <p:split orient="vert"/>
       </p:transition>
     </mc:Choice>
-    <mc:Fallback>
+    <mc:Fallback xmlns="">
       <p:transition spd="slow">
         <p:split orient="vert"/>
       </p:transition>
@@ -14627,8 +14600,8 @@
       </p:par>
     </p:tnLst>
     <p:bldLst>
-      <p:bldP spid="27" grpId="0" animBg="1" build="p"/>
-      <p:bldP spid="27" grpId="1" animBg="1" build="p"/>
+      <p:bldP spid="27" grpId="0" build="p" animBg="1"/>
+      <p:bldP spid="27" grpId="1" build="p" animBg="1"/>
     </p:bldLst>
   </p:timing>
 </p:sld>
@@ -15088,13 +15061,6 @@
               </a:rPr>
               <a:t>Специални благодарности</a:t>
             </a:r>
-            <a:endParaRPr lang="bg-BG" dirty="0">
-              <a:solidFill>
-                <a:schemeClr val="bg1"/>
-              </a:solidFill>
-              <a:latin typeface="Courier New" panose="02070309020205020404" charset="0"/>
-              <a:cs typeface="Courier New" panose="02070309020205020404" charset="0"/>
-            </a:endParaRPr>
           </a:p>
         </p:txBody>
       </p:sp>
@@ -15778,13 +15744,6 @@
               </a:rPr>
               <a:t>Преди да приключим с нашата презентация, бихме желали да благодарим на нашия ментор Антон Янчев.</a:t>
             </a:r>
-            <a:endParaRPr lang="bg-BG" sz="2400" b="1" dirty="0">
-              <a:solidFill>
-                <a:schemeClr val="bg1"/>
-              </a:solidFill>
-              <a:latin typeface="Courier New" panose="02070309020205020404" charset="0"/>
-              <a:cs typeface="Courier New" panose="02070309020205020404" charset="0"/>
-            </a:endParaRPr>
           </a:p>
         </p:txBody>
       </p:sp>
@@ -15792,7 +15751,7 @@
         <p:nvGrpSpPr>
           <p:cNvPr id="22" name="Graphic 185"/>
           <p:cNvGrpSpPr>
-            <a:grpSpLocks noGrp="1" noRot="1" noChangeAspect="1" noMove="1" noResize="1" noUngrp="1"/>
+            <a:grpSpLocks noGrp="1" noUngrp="1" noRot="1" noChangeAspect="1" noMove="1" noResize="1"/>
           </p:cNvGrpSpPr>
           <p:nvPr/>
         </p:nvGrpSpPr>
@@ -16179,7 +16138,7 @@
           </p:nvPr>
         </p:nvPicPr>
         <p:blipFill>
-          <a:blip r:embed="rId1"/>
+          <a:blip r:embed="rId2"/>
           <a:stretch>
             <a:fillRect/>
           </a:stretch>
@@ -16200,13 +16159,13 @@
   <p:clrMapOvr>
     <a:masterClrMapping/>
   </p:clrMapOvr>
-  <mc:AlternateContent xmlns:mc="http://schemas.openxmlformats.org/markup-compatibility/2006">
-    <mc:Choice xmlns:p14="http://schemas.microsoft.com/office/powerpoint/2010/main" Requires="p14">
-      <p:transition p14:dur="500">
+  <mc:AlternateContent xmlns:mc="http://schemas.openxmlformats.org/markup-compatibility/2006" xmlns:p14="http://schemas.microsoft.com/office/powerpoint/2010/main">
+    <mc:Choice Requires="p14">
+      <p:transition>
         <p14:prism/>
       </p:transition>
     </mc:Choice>
-    <mc:Fallback>
+    <mc:Fallback xmlns="">
       <p:transition>
         <p:fade/>
       </p:transition>
@@ -16548,8 +16507,8 @@
       </p:par>
     </p:tnLst>
     <p:bldLst>
-      <p:bldP spid="3" grpId="0" animBg="1" build="p"/>
-      <p:bldP spid="3" grpId="1" animBg="1" build="p"/>
+      <p:bldP spid="3" grpId="0" build="p" animBg="1"/>
+      <p:bldP spid="3" grpId="1" build="p" animBg="1"/>
     </p:bldLst>
   </p:timing>
 </p:sld>
@@ -17070,10 +17029,6 @@
               </a:rPr>
               <a:t>!</a:t>
             </a:r>
-            <a:endParaRPr lang="en-US" sz="7200" dirty="0">
-              <a:latin typeface="Courier New" panose="02070309020205020404"/>
-              <a:cs typeface="Arial" panose="020B0604020202020204"/>
-            </a:endParaRPr>
           </a:p>
         </p:txBody>
       </p:sp>
@@ -17164,7 +17119,7 @@
         <p159:morph option="byObject"/>
       </p:transition>
     </mc:Choice>
-    <mc:Fallback>
+    <mc:Fallback xmlns="">
       <p:transition spd="slow">
         <p:fade/>
       </p:transition>
@@ -17489,6 +17444,8 @@
       </a:bgFillStyleLst>
     </a:fmtScheme>
   </a:themeElements>
+  <a:objectDefaults/>
+  <a:extraClrSchemeLst/>
   <a:extLst>
     <a:ext uri="{05A4C25C-085E-4340-85A3-A5531E510DB2}">
       <thm15:themeFamily xmlns:thm15="http://schemas.microsoft.com/office/thememl/2012/main" name="Office Theme" id="{62F939B6-93AF-4DB8-9C6B-D6C7DFDC589F}" vid="{4A3C46E8-61CC-4603-A589-7422A47A8E4A}"/>
